--- a/documentation/Relation Schemas.pptx
+++ b/documentation/Relation Schemas.pptx
@@ -261,7 +261,7 @@
           <a:p>
             <a:fld id="{C63AFFDC-76EF-4F7E-915D-2D823B196B36}" type="datetimeFigureOut">
               <a:rPr lang="en-CA" smtClean="0"/>
-              <a:t>2020-03-23</a:t>
+              <a:t>2020-03-24</a:t>
             </a:fld>
             <a:endParaRPr lang="en-CA"/>
           </a:p>
@@ -461,7 +461,7 @@
           <a:p>
             <a:fld id="{C63AFFDC-76EF-4F7E-915D-2D823B196B36}" type="datetimeFigureOut">
               <a:rPr lang="en-CA" smtClean="0"/>
-              <a:t>2020-03-23</a:t>
+              <a:t>2020-03-24</a:t>
             </a:fld>
             <a:endParaRPr lang="en-CA"/>
           </a:p>
@@ -671,7 +671,7 @@
           <a:p>
             <a:fld id="{C63AFFDC-76EF-4F7E-915D-2D823B196B36}" type="datetimeFigureOut">
               <a:rPr lang="en-CA" smtClean="0"/>
-              <a:t>2020-03-23</a:t>
+              <a:t>2020-03-24</a:t>
             </a:fld>
             <a:endParaRPr lang="en-CA"/>
           </a:p>
@@ -871,7 +871,7 @@
           <a:p>
             <a:fld id="{C63AFFDC-76EF-4F7E-915D-2D823B196B36}" type="datetimeFigureOut">
               <a:rPr lang="en-CA" smtClean="0"/>
-              <a:t>2020-03-23</a:t>
+              <a:t>2020-03-24</a:t>
             </a:fld>
             <a:endParaRPr lang="en-CA"/>
           </a:p>
@@ -1147,7 +1147,7 @@
           <a:p>
             <a:fld id="{C63AFFDC-76EF-4F7E-915D-2D823B196B36}" type="datetimeFigureOut">
               <a:rPr lang="en-CA" smtClean="0"/>
-              <a:t>2020-03-23</a:t>
+              <a:t>2020-03-24</a:t>
             </a:fld>
             <a:endParaRPr lang="en-CA"/>
           </a:p>
@@ -1415,7 +1415,7 @@
           <a:p>
             <a:fld id="{C63AFFDC-76EF-4F7E-915D-2D823B196B36}" type="datetimeFigureOut">
               <a:rPr lang="en-CA" smtClean="0"/>
-              <a:t>2020-03-23</a:t>
+              <a:t>2020-03-24</a:t>
             </a:fld>
             <a:endParaRPr lang="en-CA"/>
           </a:p>
@@ -1830,7 +1830,7 @@
           <a:p>
             <a:fld id="{C63AFFDC-76EF-4F7E-915D-2D823B196B36}" type="datetimeFigureOut">
               <a:rPr lang="en-CA" smtClean="0"/>
-              <a:t>2020-03-23</a:t>
+              <a:t>2020-03-24</a:t>
             </a:fld>
             <a:endParaRPr lang="en-CA"/>
           </a:p>
@@ -1972,7 +1972,7 @@
           <a:p>
             <a:fld id="{C63AFFDC-76EF-4F7E-915D-2D823B196B36}" type="datetimeFigureOut">
               <a:rPr lang="en-CA" smtClean="0"/>
-              <a:t>2020-03-23</a:t>
+              <a:t>2020-03-24</a:t>
             </a:fld>
             <a:endParaRPr lang="en-CA"/>
           </a:p>
@@ -2085,7 +2085,7 @@
           <a:p>
             <a:fld id="{C63AFFDC-76EF-4F7E-915D-2D823B196B36}" type="datetimeFigureOut">
               <a:rPr lang="en-CA" smtClean="0"/>
-              <a:t>2020-03-23</a:t>
+              <a:t>2020-03-24</a:t>
             </a:fld>
             <a:endParaRPr lang="en-CA"/>
           </a:p>
@@ -2398,7 +2398,7 @@
           <a:p>
             <a:fld id="{C63AFFDC-76EF-4F7E-915D-2D823B196B36}" type="datetimeFigureOut">
               <a:rPr lang="en-CA" smtClean="0"/>
-              <a:t>2020-03-23</a:t>
+              <a:t>2020-03-24</a:t>
             </a:fld>
             <a:endParaRPr lang="en-CA"/>
           </a:p>
@@ -2687,7 +2687,7 @@
           <a:p>
             <a:fld id="{C63AFFDC-76EF-4F7E-915D-2D823B196B36}" type="datetimeFigureOut">
               <a:rPr lang="en-CA" smtClean="0"/>
-              <a:t>2020-03-23</a:t>
+              <a:t>2020-03-24</a:t>
             </a:fld>
             <a:endParaRPr lang="en-CA"/>
           </a:p>
@@ -2930,7 +2930,7 @@
           <a:p>
             <a:fld id="{C63AFFDC-76EF-4F7E-915D-2D823B196B36}" type="datetimeFigureOut">
               <a:rPr lang="en-CA" smtClean="0"/>
-              <a:t>2020-03-23</a:t>
+              <a:t>2020-03-24</a:t>
             </a:fld>
             <a:endParaRPr lang="en-CA"/>
           </a:p>
@@ -3643,8 +3643,13 @@
             </a:r>
             <a:r>
               <a:rPr lang="en-CA" dirty="0"/>
-              <a:t>, apartment, city, province, country)</a:t>
-            </a:r>
+              <a:t>, apartment, city, province, country, </a:t>
+            </a:r>
+            <a:r>
+              <a:rPr lang="en-CA"/>
+              <a:t>postal_code)</a:t>
+            </a:r>
+            <a:endParaRPr lang="en-CA" dirty="0"/>
           </a:p>
           <a:p>
             <a:r>

--- a/documentation/Relation Schemas.pptx
+++ b/documentation/Relation Schemas.pptx
@@ -3362,7 +3362,7 @@
         <p:spPr>
           <a:xfrm>
             <a:off x="880533" y="1305341"/>
-            <a:ext cx="10430933" cy="4247317"/>
+            <a:ext cx="10430933" cy="5078313"/>
           </a:xfrm>
           <a:prstGeom prst="rect">
             <a:avLst/>
@@ -3405,23 +3405,7 @@
             </a:r>
             <a:r>
               <a:rPr lang="en-CA" dirty="0"/>
-              <a:t>, email, </a:t>
-            </a:r>
-            <a:r>
-              <a:rPr lang="en-CA" dirty="0" err="1"/>
-              <a:t>shipping_add</a:t>
-            </a:r>
-            <a:r>
-              <a:rPr lang="en-CA" dirty="0"/>
-              <a:t>, </a:t>
-            </a:r>
-            <a:r>
-              <a:rPr lang="en-CA" dirty="0" err="1"/>
-              <a:t>billing_add</a:t>
-            </a:r>
-            <a:r>
-              <a:rPr lang="en-CA" dirty="0"/>
-              <a:t>)</a:t>
+              <a:t>, email)</a:t>
             </a:r>
           </a:p>
           <a:p>
@@ -3473,22 +3457,36 @@
             </a:r>
             <a:r>
               <a:rPr lang="en-CA" dirty="0"/>
-              <a:t>, email, </a:t>
-            </a:r>
-            <a:r>
-              <a:rPr lang="en-CA" dirty="0" err="1"/>
-              <a:t>shipping_add</a:t>
-            </a:r>
-            <a:r>
-              <a:rPr lang="en-CA" dirty="0"/>
+              <a:t>, email)</a:t>
+            </a:r>
+          </a:p>
+          <a:p>
+            <a:r>
+              <a:rPr lang="en-CA" i="1" dirty="0"/>
+              <a:t>• </a:t>
+            </a:r>
+            <a:r>
+              <a:rPr lang="en-CA" i="1" dirty="0" err="1"/>
+              <a:t>ordAdd</a:t>
+            </a:r>
+            <a:r>
+              <a:rPr lang="en-CA" i="1" dirty="0"/>
+              <a:t>(</a:t>
+            </a:r>
+            <a:r>
+              <a:rPr lang="en-CA" i="1" u="sng" dirty="0"/>
+              <a:t>order_ num</a:t>
+            </a:r>
+            <a:r>
+              <a:rPr lang="en-CA" i="1" dirty="0"/>
               <a:t>, </a:t>
             </a:r>
             <a:r>
-              <a:rPr lang="en-CA" dirty="0" err="1"/>
-              <a:t>billing_add</a:t>
-            </a:r>
-            <a:r>
-              <a:rPr lang="en-CA" dirty="0"/>
+              <a:rPr lang="en-CA" i="1" u="sng" dirty="0" err="1"/>
+              <a:t>add_id</a:t>
+            </a:r>
+            <a:r>
+              <a:rPr lang="en-CA" i="1" dirty="0"/>
               <a:t>)</a:t>
             </a:r>
           </a:p>
@@ -3525,7 +3523,7 @@
             </a:r>
             <a:r>
               <a:rPr lang="en-CA" dirty="0"/>
-              <a:t>, name, version genre, </a:t>
+              <a:t>, name, version, </a:t>
             </a:r>
             <a:r>
               <a:rPr lang="en-CA" dirty="0" err="1"/>
@@ -3585,11 +3583,15 @@
             </a:r>
             <a:r>
               <a:rPr lang="en-CA" dirty="0"/>
-              <a:t>, name, address, </a:t>
+              <a:t>, name</a:t>
+            </a:r>
+            <a:r>
+              <a:rPr lang="en-CA"/>
+              <a:t>, email</a:t>
             </a:r>
             <a:r>
               <a:rPr lang="en-CA" dirty="0" err="1"/>
-              <a:t>email_add</a:t>
+              <a:t>_add</a:t>
             </a:r>
             <a:r>
               <a:rPr lang="en-CA" dirty="0"/>
@@ -3646,10 +3648,13 @@
               <a:t>, apartment, city, province, country, </a:t>
             </a:r>
             <a:r>
-              <a:rPr lang="en-CA"/>
-              <a:t>postal_code)</a:t>
-            </a:r>
-            <a:endParaRPr lang="en-CA" dirty="0"/>
+              <a:rPr lang="en-CA" dirty="0" err="1"/>
+              <a:t>postal_code</a:t>
+            </a:r>
+            <a:r>
+              <a:rPr lang="en-CA" dirty="0"/>
+              <a:t>)</a:t>
+            </a:r>
           </a:p>
           <a:p>
             <a:r>
@@ -3866,6 +3871,50 @@
             <a:r>
               <a:rPr lang="en-CA" dirty="0" err="1"/>
               <a:t>isBilling</a:t>
+            </a:r>
+            <a:r>
+              <a:rPr lang="en-CA" dirty="0"/>
+              <a:t>)</a:t>
+            </a:r>
+          </a:p>
+          <a:p>
+            <a:r>
+              <a:rPr lang="en-CA" i="1" dirty="0"/>
+              <a:t>• genre</a:t>
+            </a:r>
+            <a:r>
+              <a:rPr lang="en-CA" dirty="0"/>
+              <a:t>(</a:t>
+            </a:r>
+            <a:r>
+              <a:rPr lang="en-CA" u="sng" dirty="0"/>
+              <a:t>name)</a:t>
+            </a:r>
+          </a:p>
+          <a:p>
+            <a:r>
+              <a:rPr lang="en-CA" i="1" dirty="0"/>
+              <a:t>• </a:t>
+            </a:r>
+            <a:r>
+              <a:rPr lang="en-CA" i="1" dirty="0" err="1"/>
+              <a:t>hasGenre</a:t>
+            </a:r>
+            <a:r>
+              <a:rPr lang="en-CA" i="1" dirty="0"/>
+              <a:t>(</a:t>
+            </a:r>
+            <a:r>
+              <a:rPr lang="en-CA" u="sng" dirty="0" err="1"/>
+              <a:t>isbn</a:t>
+            </a:r>
+            <a:r>
+              <a:rPr lang="en-CA" dirty="0"/>
+              <a:t>, </a:t>
+            </a:r>
+            <a:r>
+              <a:rPr lang="en-CA" u="sng" dirty="0"/>
+              <a:t>name</a:t>
             </a:r>
             <a:r>
               <a:rPr lang="en-CA" dirty="0"/>

--- a/documentation/Relation Schemas.pptx
+++ b/documentation/Relation Schemas.pptx
@@ -261,7 +261,7 @@
           <a:p>
             <a:fld id="{C63AFFDC-76EF-4F7E-915D-2D823B196B36}" type="datetimeFigureOut">
               <a:rPr lang="en-CA" smtClean="0"/>
-              <a:t>2020-03-24</a:t>
+              <a:t>2020-03-27</a:t>
             </a:fld>
             <a:endParaRPr lang="en-CA"/>
           </a:p>
@@ -461,7 +461,7 @@
           <a:p>
             <a:fld id="{C63AFFDC-76EF-4F7E-915D-2D823B196B36}" type="datetimeFigureOut">
               <a:rPr lang="en-CA" smtClean="0"/>
-              <a:t>2020-03-24</a:t>
+              <a:t>2020-03-27</a:t>
             </a:fld>
             <a:endParaRPr lang="en-CA"/>
           </a:p>
@@ -671,7 +671,7 @@
           <a:p>
             <a:fld id="{C63AFFDC-76EF-4F7E-915D-2D823B196B36}" type="datetimeFigureOut">
               <a:rPr lang="en-CA" smtClean="0"/>
-              <a:t>2020-03-24</a:t>
+              <a:t>2020-03-27</a:t>
             </a:fld>
             <a:endParaRPr lang="en-CA"/>
           </a:p>
@@ -871,7 +871,7 @@
           <a:p>
             <a:fld id="{C63AFFDC-76EF-4F7E-915D-2D823B196B36}" type="datetimeFigureOut">
               <a:rPr lang="en-CA" smtClean="0"/>
-              <a:t>2020-03-24</a:t>
+              <a:t>2020-03-27</a:t>
             </a:fld>
             <a:endParaRPr lang="en-CA"/>
           </a:p>
@@ -1147,7 +1147,7 @@
           <a:p>
             <a:fld id="{C63AFFDC-76EF-4F7E-915D-2D823B196B36}" type="datetimeFigureOut">
               <a:rPr lang="en-CA" smtClean="0"/>
-              <a:t>2020-03-24</a:t>
+              <a:t>2020-03-27</a:t>
             </a:fld>
             <a:endParaRPr lang="en-CA"/>
           </a:p>
@@ -1415,7 +1415,7 @@
           <a:p>
             <a:fld id="{C63AFFDC-76EF-4F7E-915D-2D823B196B36}" type="datetimeFigureOut">
               <a:rPr lang="en-CA" smtClean="0"/>
-              <a:t>2020-03-24</a:t>
+              <a:t>2020-03-27</a:t>
             </a:fld>
             <a:endParaRPr lang="en-CA"/>
           </a:p>
@@ -1830,7 +1830,7 @@
           <a:p>
             <a:fld id="{C63AFFDC-76EF-4F7E-915D-2D823B196B36}" type="datetimeFigureOut">
               <a:rPr lang="en-CA" smtClean="0"/>
-              <a:t>2020-03-24</a:t>
+              <a:t>2020-03-27</a:t>
             </a:fld>
             <a:endParaRPr lang="en-CA"/>
           </a:p>
@@ -1972,7 +1972,7 @@
           <a:p>
             <a:fld id="{C63AFFDC-76EF-4F7E-915D-2D823B196B36}" type="datetimeFigureOut">
               <a:rPr lang="en-CA" smtClean="0"/>
-              <a:t>2020-03-24</a:t>
+              <a:t>2020-03-27</a:t>
             </a:fld>
             <a:endParaRPr lang="en-CA"/>
           </a:p>
@@ -2085,7 +2085,7 @@
           <a:p>
             <a:fld id="{C63AFFDC-76EF-4F7E-915D-2D823B196B36}" type="datetimeFigureOut">
               <a:rPr lang="en-CA" smtClean="0"/>
-              <a:t>2020-03-24</a:t>
+              <a:t>2020-03-27</a:t>
             </a:fld>
             <a:endParaRPr lang="en-CA"/>
           </a:p>
@@ -2398,7 +2398,7 @@
           <a:p>
             <a:fld id="{C63AFFDC-76EF-4F7E-915D-2D823B196B36}" type="datetimeFigureOut">
               <a:rPr lang="en-CA" smtClean="0"/>
-              <a:t>2020-03-24</a:t>
+              <a:t>2020-03-27</a:t>
             </a:fld>
             <a:endParaRPr lang="en-CA"/>
           </a:p>
@@ -2687,7 +2687,7 @@
           <a:p>
             <a:fld id="{C63AFFDC-76EF-4F7E-915D-2D823B196B36}" type="datetimeFigureOut">
               <a:rPr lang="en-CA" smtClean="0"/>
-              <a:t>2020-03-24</a:t>
+              <a:t>2020-03-27</a:t>
             </a:fld>
             <a:endParaRPr lang="en-CA"/>
           </a:p>
@@ -2930,7 +2930,7 @@
           <a:p>
             <a:fld id="{C63AFFDC-76EF-4F7E-915D-2D823B196B36}" type="datetimeFigureOut">
               <a:rPr lang="en-CA" smtClean="0"/>
-              <a:t>2020-03-24</a:t>
+              <a:t>2020-03-27</a:t>
             </a:fld>
             <a:endParaRPr lang="en-CA"/>
           </a:p>
@@ -3545,22 +3545,14 @@
             </a:r>
             <a:r>
               <a:rPr lang="en-CA" u="sng" dirty="0" err="1"/>
-              <a:t>auth_id</a:t>
+              <a:t>first_name</a:t>
             </a:r>
             <a:r>
               <a:rPr lang="en-CA" dirty="0"/>
               <a:t>, </a:t>
             </a:r>
             <a:r>
-              <a:rPr lang="en-CA" dirty="0" err="1"/>
-              <a:t>first_name</a:t>
-            </a:r>
-            <a:r>
-              <a:rPr lang="en-CA" dirty="0"/>
-              <a:t>, </a:t>
-            </a:r>
-            <a:r>
-              <a:rPr lang="en-CA" dirty="0" err="1"/>
+              <a:rPr lang="en-CA" u="sng" dirty="0" err="1"/>
               <a:t>last_name</a:t>
             </a:r>
             <a:r>
@@ -3579,19 +3571,15 @@
             </a:r>
             <a:r>
               <a:rPr lang="en-CA" u="sng" dirty="0" err="1"/>
-              <a:t>pub_id</a:t>
-            </a:r>
-            <a:r>
-              <a:rPr lang="en-CA" dirty="0"/>
-              <a:t>, name</a:t>
-            </a:r>
-            <a:r>
-              <a:rPr lang="en-CA"/>
-              <a:t>, email</a:t>
+              <a:t>pub_name</a:t>
+            </a:r>
+            <a:r>
+              <a:rPr lang="en-CA" dirty="0"/>
+              <a:t>, </a:t>
             </a:r>
             <a:r>
               <a:rPr lang="en-CA" dirty="0" err="1"/>
-              <a:t>_add</a:t>
+              <a:t>email_add</a:t>
             </a:r>
             <a:r>
               <a:rPr lang="en-CA" dirty="0"/>
@@ -3755,7 +3743,15 @@
             </a:r>
             <a:r>
               <a:rPr lang="en-CA" u="sng" dirty="0" err="1"/>
-              <a:t>auth_id</a:t>
+              <a:t>auth_fn</a:t>
+            </a:r>
+            <a:r>
+              <a:rPr lang="en-CA" dirty="0"/>
+              <a:t>, </a:t>
+            </a:r>
+            <a:r>
+              <a:rPr lang="en-CA" u="sng" dirty="0" err="1"/>
+              <a:t>auth_ln</a:t>
             </a:r>
             <a:r>
               <a:rPr lang="en-CA" dirty="0"/>
@@ -3781,7 +3777,7 @@
             </a:r>
             <a:r>
               <a:rPr lang="en-CA" u="sng" dirty="0" err="1"/>
-              <a:t>pub_id</a:t>
+              <a:t>pub_name</a:t>
             </a:r>
             <a:r>
               <a:rPr lang="en-CA" dirty="0"/>
@@ -3816,7 +3812,7 @@
             </a:r>
             <a:r>
               <a:rPr lang="en-CA" u="sng" dirty="0" err="1"/>
-              <a:t>pub_id</a:t>
+              <a:t>pub_name</a:t>
             </a:r>
             <a:r>
               <a:rPr lang="en-CA" dirty="0"/>

--- a/documentation/Relation Schemas.pptx
+++ b/documentation/Relation Schemas.pptx
@@ -261,7 +261,7 @@
           <a:p>
             <a:fld id="{C63AFFDC-76EF-4F7E-915D-2D823B196B36}" type="datetimeFigureOut">
               <a:rPr lang="en-CA" smtClean="0"/>
-              <a:t>2020-03-27</a:t>
+              <a:t>2020-04-01</a:t>
             </a:fld>
             <a:endParaRPr lang="en-CA"/>
           </a:p>
@@ -461,7 +461,7 @@
           <a:p>
             <a:fld id="{C63AFFDC-76EF-4F7E-915D-2D823B196B36}" type="datetimeFigureOut">
               <a:rPr lang="en-CA" smtClean="0"/>
-              <a:t>2020-03-27</a:t>
+              <a:t>2020-04-01</a:t>
             </a:fld>
             <a:endParaRPr lang="en-CA"/>
           </a:p>
@@ -671,7 +671,7 @@
           <a:p>
             <a:fld id="{C63AFFDC-76EF-4F7E-915D-2D823B196B36}" type="datetimeFigureOut">
               <a:rPr lang="en-CA" smtClean="0"/>
-              <a:t>2020-03-27</a:t>
+              <a:t>2020-04-01</a:t>
             </a:fld>
             <a:endParaRPr lang="en-CA"/>
           </a:p>
@@ -871,7 +871,7 @@
           <a:p>
             <a:fld id="{C63AFFDC-76EF-4F7E-915D-2D823B196B36}" type="datetimeFigureOut">
               <a:rPr lang="en-CA" smtClean="0"/>
-              <a:t>2020-03-27</a:t>
+              <a:t>2020-04-01</a:t>
             </a:fld>
             <a:endParaRPr lang="en-CA"/>
           </a:p>
@@ -1147,7 +1147,7 @@
           <a:p>
             <a:fld id="{C63AFFDC-76EF-4F7E-915D-2D823B196B36}" type="datetimeFigureOut">
               <a:rPr lang="en-CA" smtClean="0"/>
-              <a:t>2020-03-27</a:t>
+              <a:t>2020-04-01</a:t>
             </a:fld>
             <a:endParaRPr lang="en-CA"/>
           </a:p>
@@ -1415,7 +1415,7 @@
           <a:p>
             <a:fld id="{C63AFFDC-76EF-4F7E-915D-2D823B196B36}" type="datetimeFigureOut">
               <a:rPr lang="en-CA" smtClean="0"/>
-              <a:t>2020-03-27</a:t>
+              <a:t>2020-04-01</a:t>
             </a:fld>
             <a:endParaRPr lang="en-CA"/>
           </a:p>
@@ -1830,7 +1830,7 @@
           <a:p>
             <a:fld id="{C63AFFDC-76EF-4F7E-915D-2D823B196B36}" type="datetimeFigureOut">
               <a:rPr lang="en-CA" smtClean="0"/>
-              <a:t>2020-03-27</a:t>
+              <a:t>2020-04-01</a:t>
             </a:fld>
             <a:endParaRPr lang="en-CA"/>
           </a:p>
@@ -1972,7 +1972,7 @@
           <a:p>
             <a:fld id="{C63AFFDC-76EF-4F7E-915D-2D823B196B36}" type="datetimeFigureOut">
               <a:rPr lang="en-CA" smtClean="0"/>
-              <a:t>2020-03-27</a:t>
+              <a:t>2020-04-01</a:t>
             </a:fld>
             <a:endParaRPr lang="en-CA"/>
           </a:p>
@@ -2085,7 +2085,7 @@
           <a:p>
             <a:fld id="{C63AFFDC-76EF-4F7E-915D-2D823B196B36}" type="datetimeFigureOut">
               <a:rPr lang="en-CA" smtClean="0"/>
-              <a:t>2020-03-27</a:t>
+              <a:t>2020-04-01</a:t>
             </a:fld>
             <a:endParaRPr lang="en-CA"/>
           </a:p>
@@ -2398,7 +2398,7 @@
           <a:p>
             <a:fld id="{C63AFFDC-76EF-4F7E-915D-2D823B196B36}" type="datetimeFigureOut">
               <a:rPr lang="en-CA" smtClean="0"/>
-              <a:t>2020-03-27</a:t>
+              <a:t>2020-04-01</a:t>
             </a:fld>
             <a:endParaRPr lang="en-CA"/>
           </a:p>
@@ -2687,7 +2687,7 @@
           <a:p>
             <a:fld id="{C63AFFDC-76EF-4F7E-915D-2D823B196B36}" type="datetimeFigureOut">
               <a:rPr lang="en-CA" smtClean="0"/>
-              <a:t>2020-03-27</a:t>
+              <a:t>2020-04-01</a:t>
             </a:fld>
             <a:endParaRPr lang="en-CA"/>
           </a:p>
@@ -2930,7 +2930,7 @@
           <a:p>
             <a:fld id="{C63AFFDC-76EF-4F7E-915D-2D823B196B36}" type="datetimeFigureOut">
               <a:rPr lang="en-CA" smtClean="0"/>
-              <a:t>2020-03-27</a:t>
+              <a:t>2020-04-01</a:t>
             </a:fld>
             <a:endParaRPr lang="en-CA"/>
           </a:p>
@@ -3862,14 +3862,6 @@
             </a:r>
             <a:r>
               <a:rPr lang="en-CA" dirty="0"/>
-              <a:t>, </a:t>
-            </a:r>
-            <a:r>
-              <a:rPr lang="en-CA" dirty="0" err="1"/>
-              <a:t>isBilling</a:t>
-            </a:r>
-            <a:r>
-              <a:rPr lang="en-CA" dirty="0"/>
               <a:t>)</a:t>
             </a:r>
           </a:p>

--- a/documentation/Relation Schemas.pptx
+++ b/documentation/Relation Schemas.pptx
@@ -261,7 +261,7 @@
           <a:p>
             <a:fld id="{C63AFFDC-76EF-4F7E-915D-2D823B196B36}" type="datetimeFigureOut">
               <a:rPr lang="en-CA" smtClean="0"/>
-              <a:t>2020-04-01</a:t>
+              <a:t>2020-04-03</a:t>
             </a:fld>
             <a:endParaRPr lang="en-CA"/>
           </a:p>
@@ -461,7 +461,7 @@
           <a:p>
             <a:fld id="{C63AFFDC-76EF-4F7E-915D-2D823B196B36}" type="datetimeFigureOut">
               <a:rPr lang="en-CA" smtClean="0"/>
-              <a:t>2020-04-01</a:t>
+              <a:t>2020-04-03</a:t>
             </a:fld>
             <a:endParaRPr lang="en-CA"/>
           </a:p>
@@ -671,7 +671,7 @@
           <a:p>
             <a:fld id="{C63AFFDC-76EF-4F7E-915D-2D823B196B36}" type="datetimeFigureOut">
               <a:rPr lang="en-CA" smtClean="0"/>
-              <a:t>2020-04-01</a:t>
+              <a:t>2020-04-03</a:t>
             </a:fld>
             <a:endParaRPr lang="en-CA"/>
           </a:p>
@@ -871,7 +871,7 @@
           <a:p>
             <a:fld id="{C63AFFDC-76EF-4F7E-915D-2D823B196B36}" type="datetimeFigureOut">
               <a:rPr lang="en-CA" smtClean="0"/>
-              <a:t>2020-04-01</a:t>
+              <a:t>2020-04-03</a:t>
             </a:fld>
             <a:endParaRPr lang="en-CA"/>
           </a:p>
@@ -1147,7 +1147,7 @@
           <a:p>
             <a:fld id="{C63AFFDC-76EF-4F7E-915D-2D823B196B36}" type="datetimeFigureOut">
               <a:rPr lang="en-CA" smtClean="0"/>
-              <a:t>2020-04-01</a:t>
+              <a:t>2020-04-03</a:t>
             </a:fld>
             <a:endParaRPr lang="en-CA"/>
           </a:p>
@@ -1415,7 +1415,7 @@
           <a:p>
             <a:fld id="{C63AFFDC-76EF-4F7E-915D-2D823B196B36}" type="datetimeFigureOut">
               <a:rPr lang="en-CA" smtClean="0"/>
-              <a:t>2020-04-01</a:t>
+              <a:t>2020-04-03</a:t>
             </a:fld>
             <a:endParaRPr lang="en-CA"/>
           </a:p>
@@ -1830,7 +1830,7 @@
           <a:p>
             <a:fld id="{C63AFFDC-76EF-4F7E-915D-2D823B196B36}" type="datetimeFigureOut">
               <a:rPr lang="en-CA" smtClean="0"/>
-              <a:t>2020-04-01</a:t>
+              <a:t>2020-04-03</a:t>
             </a:fld>
             <a:endParaRPr lang="en-CA"/>
           </a:p>
@@ -1972,7 +1972,7 @@
           <a:p>
             <a:fld id="{C63AFFDC-76EF-4F7E-915D-2D823B196B36}" type="datetimeFigureOut">
               <a:rPr lang="en-CA" smtClean="0"/>
-              <a:t>2020-04-01</a:t>
+              <a:t>2020-04-03</a:t>
             </a:fld>
             <a:endParaRPr lang="en-CA"/>
           </a:p>
@@ -2085,7 +2085,7 @@
           <a:p>
             <a:fld id="{C63AFFDC-76EF-4F7E-915D-2D823B196B36}" type="datetimeFigureOut">
               <a:rPr lang="en-CA" smtClean="0"/>
-              <a:t>2020-04-01</a:t>
+              <a:t>2020-04-03</a:t>
             </a:fld>
             <a:endParaRPr lang="en-CA"/>
           </a:p>
@@ -2398,7 +2398,7 @@
           <a:p>
             <a:fld id="{C63AFFDC-76EF-4F7E-915D-2D823B196B36}" type="datetimeFigureOut">
               <a:rPr lang="en-CA" smtClean="0"/>
-              <a:t>2020-04-01</a:t>
+              <a:t>2020-04-03</a:t>
             </a:fld>
             <a:endParaRPr lang="en-CA"/>
           </a:p>
@@ -2687,7 +2687,7 @@
           <a:p>
             <a:fld id="{C63AFFDC-76EF-4F7E-915D-2D823B196B36}" type="datetimeFigureOut">
               <a:rPr lang="en-CA" smtClean="0"/>
-              <a:t>2020-04-01</a:t>
+              <a:t>2020-04-03</a:t>
             </a:fld>
             <a:endParaRPr lang="en-CA"/>
           </a:p>
@@ -2930,7 +2930,7 @@
           <a:p>
             <a:fld id="{C63AFFDC-76EF-4F7E-915D-2D823B196B36}" type="datetimeFigureOut">
               <a:rPr lang="en-CA" smtClean="0"/>
-              <a:t>2020-04-01</a:t>
+              <a:t>2020-04-03</a:t>
             </a:fld>
             <a:endParaRPr lang="en-CA"/>
           </a:p>
@@ -3486,9 +3486,26 @@
               <a:t>add_id</a:t>
             </a:r>
             <a:r>
-              <a:rPr lang="en-CA" i="1" dirty="0"/>
+              <a:rPr lang="en-CA" i="1" u="sng" dirty="0"/>
+              <a:t>, </a:t>
+            </a:r>
+            <a:r>
+              <a:rPr lang="en-CA" i="1" u="sng" dirty="0" err="1"/>
+              <a:t>isShipping</a:t>
+            </a:r>
+            <a:r>
+              <a:rPr lang="en-CA" i="1" u="sng" dirty="0"/>
+              <a:t>, </a:t>
+            </a:r>
+            <a:r>
+              <a:rPr lang="en-CA" i="1" u="sng"/>
+              <a:t>isBilling</a:t>
+            </a:r>
+            <a:r>
+              <a:rPr lang="en-CA" i="1"/>
               <a:t>)</a:t>
             </a:r>
+            <a:endParaRPr lang="en-CA" i="1" dirty="0"/>
           </a:p>
           <a:p>
             <a:r>

--- a/documentation/Relation Schemas.pptx
+++ b/documentation/Relation Schemas.pptx
@@ -261,7 +261,7 @@
           <a:p>
             <a:fld id="{C63AFFDC-76EF-4F7E-915D-2D823B196B36}" type="datetimeFigureOut">
               <a:rPr lang="en-CA" smtClean="0"/>
-              <a:t>2020-04-03</a:t>
+              <a:t>2020-04-05</a:t>
             </a:fld>
             <a:endParaRPr lang="en-CA"/>
           </a:p>
@@ -461,7 +461,7 @@
           <a:p>
             <a:fld id="{C63AFFDC-76EF-4F7E-915D-2D823B196B36}" type="datetimeFigureOut">
               <a:rPr lang="en-CA" smtClean="0"/>
-              <a:t>2020-04-03</a:t>
+              <a:t>2020-04-05</a:t>
             </a:fld>
             <a:endParaRPr lang="en-CA"/>
           </a:p>
@@ -671,7 +671,7 @@
           <a:p>
             <a:fld id="{C63AFFDC-76EF-4F7E-915D-2D823B196B36}" type="datetimeFigureOut">
               <a:rPr lang="en-CA" smtClean="0"/>
-              <a:t>2020-04-03</a:t>
+              <a:t>2020-04-05</a:t>
             </a:fld>
             <a:endParaRPr lang="en-CA"/>
           </a:p>
@@ -871,7 +871,7 @@
           <a:p>
             <a:fld id="{C63AFFDC-76EF-4F7E-915D-2D823B196B36}" type="datetimeFigureOut">
               <a:rPr lang="en-CA" smtClean="0"/>
-              <a:t>2020-04-03</a:t>
+              <a:t>2020-04-05</a:t>
             </a:fld>
             <a:endParaRPr lang="en-CA"/>
           </a:p>
@@ -1147,7 +1147,7 @@
           <a:p>
             <a:fld id="{C63AFFDC-76EF-4F7E-915D-2D823B196B36}" type="datetimeFigureOut">
               <a:rPr lang="en-CA" smtClean="0"/>
-              <a:t>2020-04-03</a:t>
+              <a:t>2020-04-05</a:t>
             </a:fld>
             <a:endParaRPr lang="en-CA"/>
           </a:p>
@@ -1415,7 +1415,7 @@
           <a:p>
             <a:fld id="{C63AFFDC-76EF-4F7E-915D-2D823B196B36}" type="datetimeFigureOut">
               <a:rPr lang="en-CA" smtClean="0"/>
-              <a:t>2020-04-03</a:t>
+              <a:t>2020-04-05</a:t>
             </a:fld>
             <a:endParaRPr lang="en-CA"/>
           </a:p>
@@ -1830,7 +1830,7 @@
           <a:p>
             <a:fld id="{C63AFFDC-76EF-4F7E-915D-2D823B196B36}" type="datetimeFigureOut">
               <a:rPr lang="en-CA" smtClean="0"/>
-              <a:t>2020-04-03</a:t>
+              <a:t>2020-04-05</a:t>
             </a:fld>
             <a:endParaRPr lang="en-CA"/>
           </a:p>
@@ -1972,7 +1972,7 @@
           <a:p>
             <a:fld id="{C63AFFDC-76EF-4F7E-915D-2D823B196B36}" type="datetimeFigureOut">
               <a:rPr lang="en-CA" smtClean="0"/>
-              <a:t>2020-04-03</a:t>
+              <a:t>2020-04-05</a:t>
             </a:fld>
             <a:endParaRPr lang="en-CA"/>
           </a:p>
@@ -2085,7 +2085,7 @@
           <a:p>
             <a:fld id="{C63AFFDC-76EF-4F7E-915D-2D823B196B36}" type="datetimeFigureOut">
               <a:rPr lang="en-CA" smtClean="0"/>
-              <a:t>2020-04-03</a:t>
+              <a:t>2020-04-05</a:t>
             </a:fld>
             <a:endParaRPr lang="en-CA"/>
           </a:p>
@@ -2398,7 +2398,7 @@
           <a:p>
             <a:fld id="{C63AFFDC-76EF-4F7E-915D-2D823B196B36}" type="datetimeFigureOut">
               <a:rPr lang="en-CA" smtClean="0"/>
-              <a:t>2020-04-03</a:t>
+              <a:t>2020-04-05</a:t>
             </a:fld>
             <a:endParaRPr lang="en-CA"/>
           </a:p>
@@ -2687,7 +2687,7 @@
           <a:p>
             <a:fld id="{C63AFFDC-76EF-4F7E-915D-2D823B196B36}" type="datetimeFigureOut">
               <a:rPr lang="en-CA" smtClean="0"/>
-              <a:t>2020-04-03</a:t>
+              <a:t>2020-04-05</a:t>
             </a:fld>
             <a:endParaRPr lang="en-CA"/>
           </a:p>
@@ -2930,7 +2930,7 @@
           <a:p>
             <a:fld id="{C63AFFDC-76EF-4F7E-915D-2D823B196B36}" type="datetimeFigureOut">
               <a:rPr lang="en-CA" smtClean="0"/>
-              <a:t>2020-04-03</a:t>
+              <a:t>2020-04-05</a:t>
             </a:fld>
             <a:endParaRPr lang="en-CA"/>
           </a:p>
@@ -3498,14 +3498,13 @@
               <a:t>, </a:t>
             </a:r>
             <a:r>
-              <a:rPr lang="en-CA" i="1" u="sng"/>
+              <a:rPr lang="en-CA" i="1" u="sng" dirty="0" err="1"/>
               <a:t>isBilling</a:t>
             </a:r>
             <a:r>
-              <a:rPr lang="en-CA" i="1"/>
+              <a:rPr lang="en-CA" i="1" dirty="0"/>
               <a:t>)</a:t>
             </a:r>
-            <a:endParaRPr lang="en-CA" i="1" dirty="0"/>
           </a:p>
           <a:p>
             <a:r>
@@ -3539,8 +3538,12 @@
               <a:t>isbn</a:t>
             </a:r>
             <a:r>
-              <a:rPr lang="en-CA" dirty="0"/>
-              <a:t>, name, version, </a:t>
+              <a:rPr lang="en-CA"/>
+              <a:t>, title, </a:t>
+            </a:r>
+            <a:r>
+              <a:rPr lang="en-CA" dirty="0"/>
+              <a:t>version, </a:t>
             </a:r>
             <a:r>
               <a:rPr lang="en-CA" dirty="0" err="1"/>

--- a/documentation/Relation Schemas.pptx
+++ b/documentation/Relation Schemas.pptx
@@ -261,7 +261,7 @@
           <a:p>
             <a:fld id="{C63AFFDC-76EF-4F7E-915D-2D823B196B36}" type="datetimeFigureOut">
               <a:rPr lang="en-CA" smtClean="0"/>
-              <a:t>2020-04-05</a:t>
+              <a:t>2020-04-07</a:t>
             </a:fld>
             <a:endParaRPr lang="en-CA"/>
           </a:p>
@@ -461,7 +461,7 @@
           <a:p>
             <a:fld id="{C63AFFDC-76EF-4F7E-915D-2D823B196B36}" type="datetimeFigureOut">
               <a:rPr lang="en-CA" smtClean="0"/>
-              <a:t>2020-04-05</a:t>
+              <a:t>2020-04-07</a:t>
             </a:fld>
             <a:endParaRPr lang="en-CA"/>
           </a:p>
@@ -671,7 +671,7 @@
           <a:p>
             <a:fld id="{C63AFFDC-76EF-4F7E-915D-2D823B196B36}" type="datetimeFigureOut">
               <a:rPr lang="en-CA" smtClean="0"/>
-              <a:t>2020-04-05</a:t>
+              <a:t>2020-04-07</a:t>
             </a:fld>
             <a:endParaRPr lang="en-CA"/>
           </a:p>
@@ -871,7 +871,7 @@
           <a:p>
             <a:fld id="{C63AFFDC-76EF-4F7E-915D-2D823B196B36}" type="datetimeFigureOut">
               <a:rPr lang="en-CA" smtClean="0"/>
-              <a:t>2020-04-05</a:t>
+              <a:t>2020-04-07</a:t>
             </a:fld>
             <a:endParaRPr lang="en-CA"/>
           </a:p>
@@ -1147,7 +1147,7 @@
           <a:p>
             <a:fld id="{C63AFFDC-76EF-4F7E-915D-2D823B196B36}" type="datetimeFigureOut">
               <a:rPr lang="en-CA" smtClean="0"/>
-              <a:t>2020-04-05</a:t>
+              <a:t>2020-04-07</a:t>
             </a:fld>
             <a:endParaRPr lang="en-CA"/>
           </a:p>
@@ -1415,7 +1415,7 @@
           <a:p>
             <a:fld id="{C63AFFDC-76EF-4F7E-915D-2D823B196B36}" type="datetimeFigureOut">
               <a:rPr lang="en-CA" smtClean="0"/>
-              <a:t>2020-04-05</a:t>
+              <a:t>2020-04-07</a:t>
             </a:fld>
             <a:endParaRPr lang="en-CA"/>
           </a:p>
@@ -1830,7 +1830,7 @@
           <a:p>
             <a:fld id="{C63AFFDC-76EF-4F7E-915D-2D823B196B36}" type="datetimeFigureOut">
               <a:rPr lang="en-CA" smtClean="0"/>
-              <a:t>2020-04-05</a:t>
+              <a:t>2020-04-07</a:t>
             </a:fld>
             <a:endParaRPr lang="en-CA"/>
           </a:p>
@@ -1972,7 +1972,7 @@
           <a:p>
             <a:fld id="{C63AFFDC-76EF-4F7E-915D-2D823B196B36}" type="datetimeFigureOut">
               <a:rPr lang="en-CA" smtClean="0"/>
-              <a:t>2020-04-05</a:t>
+              <a:t>2020-04-07</a:t>
             </a:fld>
             <a:endParaRPr lang="en-CA"/>
           </a:p>
@@ -2085,7 +2085,7 @@
           <a:p>
             <a:fld id="{C63AFFDC-76EF-4F7E-915D-2D823B196B36}" type="datetimeFigureOut">
               <a:rPr lang="en-CA" smtClean="0"/>
-              <a:t>2020-04-05</a:t>
+              <a:t>2020-04-07</a:t>
             </a:fld>
             <a:endParaRPr lang="en-CA"/>
           </a:p>
@@ -2398,7 +2398,7 @@
           <a:p>
             <a:fld id="{C63AFFDC-76EF-4F7E-915D-2D823B196B36}" type="datetimeFigureOut">
               <a:rPr lang="en-CA" smtClean="0"/>
-              <a:t>2020-04-05</a:t>
+              <a:t>2020-04-07</a:t>
             </a:fld>
             <a:endParaRPr lang="en-CA"/>
           </a:p>
@@ -2687,7 +2687,7 @@
           <a:p>
             <a:fld id="{C63AFFDC-76EF-4F7E-915D-2D823B196B36}" type="datetimeFigureOut">
               <a:rPr lang="en-CA" smtClean="0"/>
-              <a:t>2020-04-05</a:t>
+              <a:t>2020-04-07</a:t>
             </a:fld>
             <a:endParaRPr lang="en-CA"/>
           </a:p>
@@ -2930,7 +2930,7 @@
           <a:p>
             <a:fld id="{C63AFFDC-76EF-4F7E-915D-2D823B196B36}" type="datetimeFigureOut">
               <a:rPr lang="en-CA" smtClean="0"/>
-              <a:t>2020-04-05</a:t>
+              <a:t>2020-04-07</a:t>
             </a:fld>
             <a:endParaRPr lang="en-CA"/>
           </a:p>
@@ -3362,7 +3362,7 @@
         <p:spPr>
           <a:xfrm>
             <a:off x="880533" y="1305341"/>
-            <a:ext cx="10430933" cy="5078313"/>
+            <a:ext cx="10430933" cy="5355312"/>
           </a:xfrm>
           <a:prstGeom prst="rect">
             <a:avLst/>
@@ -3377,87 +3377,23 @@
           <a:p>
             <a:r>
               <a:rPr lang="en-CA" i="1" dirty="0"/>
-              <a:t>• user</a:t>
-            </a:r>
-            <a:r>
-              <a:rPr lang="en-CA" dirty="0"/>
-              <a:t>(</a:t>
-            </a:r>
-            <a:r>
-              <a:rPr lang="en-CA" u="sng" dirty="0" err="1"/>
-              <a:t>user_name</a:t>
-            </a:r>
-            <a:r>
-              <a:rPr lang="en-CA" dirty="0"/>
-              <a:t>, password, </a:t>
-            </a:r>
-            <a:r>
-              <a:rPr lang="en-CA" dirty="0" err="1"/>
-              <a:t>first_name</a:t>
-            </a:r>
-            <a:r>
-              <a:rPr lang="en-CA" dirty="0"/>
-              <a:t>, </a:t>
-            </a:r>
-            <a:r>
-              <a:rPr lang="en-CA" dirty="0" err="1"/>
-              <a:t>last_name</a:t>
-            </a:r>
-            <a:r>
-              <a:rPr lang="en-CA" dirty="0"/>
-              <a:t>, email)</a:t>
-            </a:r>
-          </a:p>
-          <a:p>
+              <a:t>https://</a:t>
+            </a:r>
+            <a:r>
+              <a:rPr lang="en-CA" i="1" dirty="0" err="1"/>
+              <a:t>docs.google.com</a:t>
+            </a:r>
             <a:r>
               <a:rPr lang="en-CA" i="1" dirty="0"/>
-              <a:t>• librarian</a:t>
-            </a:r>
-            <a:r>
-              <a:rPr lang="en-CA" dirty="0"/>
-              <a:t>(</a:t>
-            </a:r>
-            <a:r>
-              <a:rPr lang="en-CA" u="sng" dirty="0" err="1"/>
-              <a:t>user_name</a:t>
-            </a:r>
-            <a:r>
-              <a:rPr lang="en-CA" dirty="0"/>
-              <a:t>, salary)</a:t>
-            </a:r>
-          </a:p>
-          <a:p>
+              <a:t>/document/d/1CkhYMSurcODw6Gc8lOv-jJykB_j-Yc_25fKaW1U7_IM/</a:t>
+            </a:r>
+            <a:r>
+              <a:rPr lang="en-CA" i="1" dirty="0" err="1"/>
+              <a:t>edit?usp</a:t>
+            </a:r>
             <a:r>
               <a:rPr lang="en-CA" i="1" dirty="0"/>
-              <a:t>• order</a:t>
-            </a:r>
-            <a:r>
-              <a:rPr lang="en-CA" dirty="0"/>
-              <a:t>(</a:t>
-            </a:r>
-            <a:r>
-              <a:rPr lang="en-CA" u="sng" dirty="0" err="1"/>
-              <a:t>order_num</a:t>
-            </a:r>
-            <a:r>
-              <a:rPr lang="en-CA" dirty="0"/>
-              <a:t>, password, </a:t>
-            </a:r>
-            <a:r>
-              <a:rPr lang="en-CA" dirty="0" err="1"/>
-              <a:t>first_name</a:t>
-            </a:r>
-            <a:r>
-              <a:rPr lang="en-CA" dirty="0"/>
-              <a:t>, </a:t>
-            </a:r>
-            <a:r>
-              <a:rPr lang="en-CA" dirty="0" err="1"/>
-              <a:t>last_name</a:t>
-            </a:r>
-            <a:r>
-              <a:rPr lang="en-CA" dirty="0"/>
-              <a:t>, email)</a:t>
+              <a:t>=sharing</a:t>
             </a:r>
           </a:p>
           <a:p>
@@ -3466,469 +3402,555 @@
               <a:t>• </a:t>
             </a:r>
             <a:r>
-              <a:rPr lang="en-CA" i="1" dirty="0" err="1"/>
+              <a:rPr lang="en-CA" i="1" strike="sngStrike" dirty="0"/>
+              <a:t>user</a:t>
+            </a:r>
+            <a:r>
+              <a:rPr lang="en-CA" strike="sngStrike" dirty="0"/>
+              <a:t>(</a:t>
+            </a:r>
+            <a:r>
+              <a:rPr lang="en-CA" u="sng" strike="sngStrike" dirty="0" err="1"/>
+              <a:t>user_name</a:t>
+            </a:r>
+            <a:r>
+              <a:rPr lang="en-CA" strike="sngStrike" dirty="0"/>
+              <a:t>, password, </a:t>
+            </a:r>
+            <a:r>
+              <a:rPr lang="en-CA" strike="sngStrike" dirty="0" err="1"/>
+              <a:t>first_name</a:t>
+            </a:r>
+            <a:r>
+              <a:rPr lang="en-CA" strike="sngStrike" dirty="0"/>
+              <a:t>, </a:t>
+            </a:r>
+            <a:r>
+              <a:rPr lang="en-CA" strike="sngStrike" dirty="0" err="1"/>
+              <a:t>last_name</a:t>
+            </a:r>
+            <a:r>
+              <a:rPr lang="en-CA" strike="sngStrike" dirty="0"/>
+              <a:t>, email)</a:t>
+            </a:r>
+          </a:p>
+          <a:p>
+            <a:r>
+              <a:rPr lang="en-CA" i="1" strike="sngStrike" dirty="0"/>
+              <a:t>• librarian</a:t>
+            </a:r>
+            <a:r>
+              <a:rPr lang="en-CA" strike="sngStrike" dirty="0"/>
+              <a:t>(</a:t>
+            </a:r>
+            <a:r>
+              <a:rPr lang="en-CA" u="sng" strike="sngStrike" dirty="0" err="1"/>
+              <a:t>user_name</a:t>
+            </a:r>
+            <a:r>
+              <a:rPr lang="en-CA" strike="sngStrike" dirty="0"/>
+              <a:t>, salary)</a:t>
+            </a:r>
+          </a:p>
+          <a:p>
+            <a:r>
+              <a:rPr lang="en-CA" i="1" strike="sngStrike" dirty="0"/>
+              <a:t>• order</a:t>
+            </a:r>
+            <a:r>
+              <a:rPr lang="en-CA" strike="sngStrike" dirty="0"/>
+              <a:t>(</a:t>
+            </a:r>
+            <a:r>
+              <a:rPr lang="en-CA" u="sng" strike="sngStrike" dirty="0" err="1"/>
+              <a:t>order_num</a:t>
+            </a:r>
+            <a:r>
+              <a:rPr lang="en-CA" strike="sngStrike" dirty="0"/>
+              <a:t>, password, </a:t>
+            </a:r>
+            <a:r>
+              <a:rPr lang="en-CA" strike="sngStrike" dirty="0" err="1"/>
+              <a:t>first_name</a:t>
+            </a:r>
+            <a:r>
+              <a:rPr lang="en-CA" strike="sngStrike" dirty="0"/>
+              <a:t>, </a:t>
+            </a:r>
+            <a:r>
+              <a:rPr lang="en-CA" strike="sngStrike" dirty="0" err="1"/>
+              <a:t>last_name</a:t>
+            </a:r>
+            <a:r>
+              <a:rPr lang="en-CA" strike="sngStrike" dirty="0"/>
+              <a:t>, email)</a:t>
+            </a:r>
+          </a:p>
+          <a:p>
+            <a:r>
+              <a:rPr lang="en-CA" i="1" strike="sngStrike" dirty="0"/>
+              <a:t>• </a:t>
+            </a:r>
+            <a:r>
+              <a:rPr lang="en-CA" i="1" strike="sngStrike" dirty="0" err="1"/>
               <a:t>ordAdd</a:t>
             </a:r>
             <a:r>
-              <a:rPr lang="en-CA" i="1" dirty="0"/>
+              <a:rPr lang="en-CA" i="1" strike="sngStrike" dirty="0"/>
               <a:t>(</a:t>
             </a:r>
             <a:r>
-              <a:rPr lang="en-CA" i="1" u="sng" dirty="0"/>
+              <a:rPr lang="en-CA" i="1" u="sng" strike="sngStrike" dirty="0"/>
               <a:t>order_ num</a:t>
             </a:r>
             <a:r>
-              <a:rPr lang="en-CA" i="1" dirty="0"/>
+              <a:rPr lang="en-CA" i="1" strike="sngStrike" dirty="0"/>
               <a:t>, </a:t>
             </a:r>
             <a:r>
-              <a:rPr lang="en-CA" i="1" u="sng" dirty="0" err="1"/>
+              <a:rPr lang="en-CA" i="1" u="sng" strike="sngStrike" dirty="0" err="1"/>
               <a:t>add_id</a:t>
             </a:r>
             <a:r>
-              <a:rPr lang="en-CA" i="1" u="sng" dirty="0"/>
+              <a:rPr lang="en-CA" i="1" u="sng" strike="sngStrike" dirty="0"/>
               <a:t>, </a:t>
             </a:r>
             <a:r>
-              <a:rPr lang="en-CA" i="1" u="sng" dirty="0" err="1"/>
+              <a:rPr lang="en-CA" i="1" u="sng" strike="sngStrike" dirty="0" err="1"/>
               <a:t>isShipping</a:t>
             </a:r>
             <a:r>
-              <a:rPr lang="en-CA" i="1" u="sng" dirty="0"/>
+              <a:rPr lang="en-CA" i="1" u="sng" strike="sngStrike" dirty="0"/>
               <a:t>, </a:t>
             </a:r>
             <a:r>
-              <a:rPr lang="en-CA" i="1" u="sng" dirty="0" err="1"/>
+              <a:rPr lang="en-CA" i="1" u="sng" strike="sngStrike" dirty="0" err="1"/>
               <a:t>isBilling</a:t>
             </a:r>
             <a:r>
-              <a:rPr lang="en-CA" i="1" dirty="0"/>
+              <a:rPr lang="en-CA" i="1" strike="sngStrike" dirty="0"/>
               <a:t>)</a:t>
             </a:r>
           </a:p>
           <a:p>
             <a:r>
-              <a:rPr lang="en-CA" i="1" dirty="0"/>
+              <a:rPr lang="en-CA" i="1" strike="sngStrike" dirty="0"/>
               <a:t>• basket</a:t>
             </a:r>
             <a:r>
-              <a:rPr lang="en-CA" dirty="0"/>
+              <a:rPr lang="en-CA" strike="sngStrike" dirty="0"/>
               <a:t>(</a:t>
             </a:r>
             <a:r>
-              <a:rPr lang="en-CA" u="sng" dirty="0" err="1"/>
+              <a:rPr lang="en-CA" u="sng" strike="sngStrike" dirty="0" err="1"/>
               <a:t>basket_id</a:t>
             </a:r>
             <a:r>
-              <a:rPr lang="en-CA" dirty="0"/>
+              <a:rPr lang="en-CA" strike="sngStrike" dirty="0"/>
               <a:t>)</a:t>
             </a:r>
           </a:p>
           <a:p>
             <a:r>
-              <a:rPr lang="en-CA" i="1" dirty="0"/>
+              <a:rPr lang="en-CA" i="1" strike="sngStrike" dirty="0"/>
               <a:t>• book</a:t>
             </a:r>
             <a:r>
-              <a:rPr lang="en-CA" dirty="0"/>
+              <a:rPr lang="en-CA" strike="sngStrike" dirty="0"/>
               <a:t>(</a:t>
             </a:r>
             <a:r>
-              <a:rPr lang="en-CA" u="sng" dirty="0" err="1"/>
+              <a:rPr lang="en-CA" u="sng" strike="sngStrike" dirty="0" err="1"/>
               <a:t>isbn</a:t>
             </a:r>
             <a:r>
-              <a:rPr lang="en-CA"/>
-              <a:t>, title, </a:t>
-            </a:r>
-            <a:r>
-              <a:rPr lang="en-CA" dirty="0"/>
-              <a:t>version, </a:t>
-            </a:r>
-            <a:r>
-              <a:rPr lang="en-CA" dirty="0" err="1"/>
+              <a:rPr lang="en-CA" strike="sngStrike" dirty="0"/>
+              <a:t>, title, version, </a:t>
+            </a:r>
+            <a:r>
+              <a:rPr lang="en-CA" strike="sngStrike" dirty="0" err="1"/>
               <a:t>num_pages</a:t>
             </a:r>
             <a:r>
-              <a:rPr lang="en-CA" dirty="0"/>
+              <a:rPr lang="en-CA" strike="sngStrike" dirty="0"/>
               <a:t>, price, royalty, stock)</a:t>
             </a:r>
           </a:p>
           <a:p>
             <a:r>
-              <a:rPr lang="en-CA" i="1" dirty="0"/>
+              <a:rPr lang="en-CA" i="1" strike="sngStrike" dirty="0"/>
               <a:t>• author</a:t>
             </a:r>
             <a:r>
-              <a:rPr lang="en-CA" dirty="0"/>
+              <a:rPr lang="en-CA" strike="sngStrike" dirty="0"/>
               <a:t>(</a:t>
             </a:r>
             <a:r>
-              <a:rPr lang="en-CA" u="sng" dirty="0" err="1"/>
+              <a:rPr lang="en-CA" u="sng" strike="sngStrike" dirty="0" err="1"/>
               <a:t>first_name</a:t>
             </a:r>
             <a:r>
-              <a:rPr lang="en-CA" dirty="0"/>
+              <a:rPr lang="en-CA" strike="sngStrike" dirty="0"/>
               <a:t>, </a:t>
             </a:r>
             <a:r>
-              <a:rPr lang="en-CA" u="sng" dirty="0" err="1"/>
+              <a:rPr lang="en-CA" u="sng" strike="sngStrike" dirty="0" err="1"/>
               <a:t>last_name</a:t>
             </a:r>
             <a:r>
-              <a:rPr lang="en-CA" dirty="0"/>
+              <a:rPr lang="en-CA" strike="sngStrike" dirty="0"/>
               <a:t>)</a:t>
             </a:r>
           </a:p>
           <a:p>
             <a:r>
-              <a:rPr lang="en-CA" i="1" dirty="0"/>
+              <a:rPr lang="en-CA" i="1" strike="sngStrike" dirty="0"/>
               <a:t>• publisher</a:t>
             </a:r>
             <a:r>
-              <a:rPr lang="en-CA" dirty="0"/>
+              <a:rPr lang="en-CA" strike="sngStrike" dirty="0"/>
               <a:t>(</a:t>
             </a:r>
             <a:r>
-              <a:rPr lang="en-CA" u="sng" dirty="0" err="1"/>
+              <a:rPr lang="en-CA" u="sng" strike="sngStrike" dirty="0" err="1"/>
               <a:t>pub_name</a:t>
             </a:r>
             <a:r>
-              <a:rPr lang="en-CA" dirty="0"/>
+              <a:rPr lang="en-CA" strike="sngStrike" dirty="0"/>
               <a:t>, </a:t>
             </a:r>
             <a:r>
-              <a:rPr lang="en-CA" dirty="0" err="1"/>
+              <a:rPr lang="en-CA" strike="sngStrike" dirty="0" err="1"/>
               <a:t>email_add</a:t>
             </a:r>
             <a:r>
-              <a:rPr lang="en-CA" dirty="0"/>
+              <a:rPr lang="en-CA" strike="sngStrike" dirty="0"/>
               <a:t>, </a:t>
             </a:r>
             <a:r>
-              <a:rPr lang="en-CA" dirty="0" err="1"/>
+              <a:rPr lang="en-CA" strike="sngStrike" dirty="0" err="1"/>
               <a:t>phone_num</a:t>
             </a:r>
             <a:r>
-              <a:rPr lang="en-CA" dirty="0"/>
+              <a:rPr lang="en-CA" strike="sngStrike" dirty="0"/>
               <a:t>, </a:t>
             </a:r>
             <a:r>
-              <a:rPr lang="en-CA" dirty="0" err="1"/>
+              <a:rPr lang="en-CA" strike="sngStrike" dirty="0" err="1"/>
               <a:t>bank_acc</a:t>
             </a:r>
             <a:r>
-              <a:rPr lang="en-CA" dirty="0"/>
+              <a:rPr lang="en-CA" strike="sngStrike" dirty="0"/>
               <a:t>)</a:t>
             </a:r>
           </a:p>
           <a:p>
             <a:r>
-              <a:rPr lang="en-CA" i="1" dirty="0"/>
+              <a:rPr lang="en-CA" i="1" strike="sngStrike" dirty="0"/>
               <a:t>• address</a:t>
             </a:r>
             <a:r>
-              <a:rPr lang="en-CA" dirty="0"/>
+              <a:rPr lang="en-CA" strike="sngStrike" dirty="0"/>
               <a:t>(</a:t>
             </a:r>
             <a:r>
-              <a:rPr lang="en-CA" u="sng" dirty="0" err="1"/>
+              <a:rPr lang="en-CA" u="sng" strike="sngStrike" dirty="0" err="1"/>
               <a:t>add_id</a:t>
             </a:r>
             <a:r>
-              <a:rPr lang="en-CA" dirty="0"/>
+              <a:rPr lang="en-CA" strike="sngStrike" dirty="0"/>
               <a:t>, </a:t>
             </a:r>
             <a:r>
-              <a:rPr lang="en-CA" dirty="0" err="1"/>
+              <a:rPr lang="en-CA" strike="sngStrike" dirty="0" err="1"/>
               <a:t>street_num</a:t>
             </a:r>
             <a:r>
-              <a:rPr lang="en-CA" dirty="0"/>
+              <a:rPr lang="en-CA" strike="sngStrike" dirty="0"/>
               <a:t>, </a:t>
             </a:r>
             <a:r>
-              <a:rPr lang="en-CA" dirty="0" err="1"/>
+              <a:rPr lang="en-CA" strike="sngStrike" dirty="0" err="1"/>
               <a:t>street_name</a:t>
             </a:r>
             <a:r>
-              <a:rPr lang="en-CA" dirty="0"/>
+              <a:rPr lang="en-CA" strike="sngStrike" dirty="0"/>
               <a:t>, apartment, city, province, country, </a:t>
             </a:r>
             <a:r>
-              <a:rPr lang="en-CA" dirty="0" err="1"/>
+              <a:rPr lang="en-CA" strike="sngStrike" dirty="0" err="1"/>
               <a:t>postal_code</a:t>
             </a:r>
             <a:r>
-              <a:rPr lang="en-CA" dirty="0"/>
+              <a:rPr lang="en-CA" strike="sngStrike" dirty="0"/>
               <a:t>)</a:t>
             </a:r>
           </a:p>
           <a:p>
             <a:r>
-              <a:rPr lang="en-CA" i="1" dirty="0"/>
+              <a:rPr lang="en-CA" i="1" strike="sngStrike" dirty="0"/>
               <a:t>• checkout</a:t>
             </a:r>
             <a:r>
-              <a:rPr lang="en-CA" dirty="0"/>
+              <a:rPr lang="en-CA" strike="sngStrike" dirty="0"/>
               <a:t>(</a:t>
             </a:r>
             <a:r>
-              <a:rPr lang="en-CA" u="sng" dirty="0" err="1"/>
+              <a:rPr lang="en-CA" u="sng" strike="sngStrike" dirty="0" err="1"/>
               <a:t>basket_id</a:t>
             </a:r>
             <a:r>
-              <a:rPr lang="en-CA" dirty="0"/>
+              <a:rPr lang="en-CA" strike="sngStrike" dirty="0"/>
               <a:t>, </a:t>
             </a:r>
             <a:r>
-              <a:rPr lang="en-CA" u="sng" dirty="0" err="1"/>
+              <a:rPr lang="en-CA" u="sng" strike="sngStrike" dirty="0" err="1"/>
               <a:t>order_num</a:t>
             </a:r>
             <a:r>
-              <a:rPr lang="en-CA" dirty="0"/>
+              <a:rPr lang="en-CA" strike="sngStrike" dirty="0"/>
               <a:t>)</a:t>
             </a:r>
           </a:p>
           <a:p>
             <a:r>
-              <a:rPr lang="en-CA" i="1" dirty="0"/>
+              <a:rPr lang="en-CA" i="1" strike="sngStrike" dirty="0"/>
               <a:t>• </a:t>
             </a:r>
             <a:r>
-              <a:rPr lang="en-CA" i="1" dirty="0" err="1"/>
+              <a:rPr lang="en-CA" i="1" strike="sngStrike" dirty="0" err="1"/>
               <a:t>bask_item</a:t>
             </a:r>
             <a:r>
-              <a:rPr lang="en-CA" dirty="0"/>
+              <a:rPr lang="en-CA" strike="sngStrike" dirty="0"/>
               <a:t>(</a:t>
             </a:r>
             <a:r>
-              <a:rPr lang="en-CA" u="sng" dirty="0" err="1"/>
+              <a:rPr lang="en-CA" u="sng" strike="sngStrike" dirty="0" err="1"/>
               <a:t>basket_id</a:t>
             </a:r>
             <a:r>
-              <a:rPr lang="en-CA" dirty="0"/>
+              <a:rPr lang="en-CA" strike="sngStrike" dirty="0"/>
               <a:t>, </a:t>
             </a:r>
             <a:r>
-              <a:rPr lang="en-CA" u="sng" dirty="0" err="1"/>
+              <a:rPr lang="en-CA" u="sng" strike="sngStrike" dirty="0" err="1"/>
               <a:t>isbn</a:t>
             </a:r>
             <a:r>
-              <a:rPr lang="en-CA" dirty="0"/>
+              <a:rPr lang="en-CA" strike="sngStrike" dirty="0"/>
               <a:t>, quantity)</a:t>
             </a:r>
-            <a:endParaRPr lang="en-CA" i="1" dirty="0"/>
-          </a:p>
-          <a:p>
-            <a:r>
-              <a:rPr lang="en-CA" i="1" dirty="0"/>
+            <a:endParaRPr lang="en-CA" i="1" strike="sngStrike" dirty="0"/>
+          </a:p>
+          <a:p>
+            <a:r>
+              <a:rPr lang="en-CA" i="1" strike="sngStrike" dirty="0"/>
               <a:t>• </a:t>
             </a:r>
             <a:r>
-              <a:rPr lang="en-CA" i="1" dirty="0" err="1"/>
+              <a:rPr lang="en-CA" i="1" strike="sngStrike" dirty="0" err="1"/>
               <a:t>bask_manage</a:t>
             </a:r>
             <a:r>
-              <a:rPr lang="en-CA" dirty="0"/>
+              <a:rPr lang="en-CA" strike="sngStrike" dirty="0"/>
               <a:t>(</a:t>
             </a:r>
             <a:r>
-              <a:rPr lang="en-CA" u="sng" dirty="0" err="1"/>
+              <a:rPr lang="en-CA" u="sng" strike="sngStrike" dirty="0" err="1"/>
               <a:t>basket_id</a:t>
             </a:r>
             <a:r>
-              <a:rPr lang="en-CA" dirty="0"/>
+              <a:rPr lang="en-CA" strike="sngStrike" dirty="0"/>
               <a:t>, </a:t>
             </a:r>
             <a:r>
-              <a:rPr lang="en-CA" u="sng" dirty="0" err="1"/>
+              <a:rPr lang="en-CA" u="sng" strike="sngStrike" dirty="0" err="1"/>
               <a:t>user_name</a:t>
             </a:r>
             <a:r>
-              <a:rPr lang="en-CA" dirty="0"/>
+              <a:rPr lang="en-CA" strike="sngStrike" dirty="0"/>
               <a:t>)</a:t>
             </a:r>
-            <a:endParaRPr lang="en-CA" i="1" dirty="0"/>
-          </a:p>
-          <a:p>
-            <a:r>
-              <a:rPr lang="en-CA" i="1" dirty="0"/>
+            <a:endParaRPr lang="en-CA" i="1" strike="sngStrike" dirty="0"/>
+          </a:p>
+          <a:p>
+            <a:r>
+              <a:rPr lang="en-CA" i="1" strike="sngStrike" dirty="0"/>
               <a:t>• writes</a:t>
             </a:r>
             <a:r>
-              <a:rPr lang="en-CA" dirty="0"/>
+              <a:rPr lang="en-CA" strike="sngStrike" dirty="0"/>
               <a:t>(</a:t>
             </a:r>
             <a:r>
-              <a:rPr lang="en-CA" u="sng" dirty="0" err="1"/>
+              <a:rPr lang="en-CA" u="sng" strike="sngStrike" dirty="0" err="1"/>
               <a:t>auth_fn</a:t>
             </a:r>
             <a:r>
-              <a:rPr lang="en-CA" dirty="0"/>
+              <a:rPr lang="en-CA" strike="sngStrike" dirty="0"/>
               <a:t>, </a:t>
             </a:r>
             <a:r>
-              <a:rPr lang="en-CA" u="sng" dirty="0" err="1"/>
+              <a:rPr lang="en-CA" u="sng" strike="sngStrike" dirty="0" err="1"/>
               <a:t>auth_ln</a:t>
             </a:r>
             <a:r>
-              <a:rPr lang="en-CA" dirty="0"/>
+              <a:rPr lang="en-CA" strike="sngStrike" dirty="0"/>
               <a:t>, </a:t>
             </a:r>
             <a:r>
-              <a:rPr lang="en-CA" u="sng" dirty="0" err="1"/>
+              <a:rPr lang="en-CA" u="sng" strike="sngStrike" dirty="0" err="1"/>
               <a:t>isbn</a:t>
             </a:r>
             <a:r>
-              <a:rPr lang="en-CA" dirty="0"/>
+              <a:rPr lang="en-CA" strike="sngStrike" dirty="0"/>
               <a:t>)</a:t>
             </a:r>
           </a:p>
           <a:p>
             <a:r>
-              <a:rPr lang="en-CA" i="1" dirty="0"/>
+              <a:rPr lang="en-CA" i="1" strike="sngStrike" dirty="0"/>
               <a:t>• publishes</a:t>
             </a:r>
             <a:r>
-              <a:rPr lang="en-CA" dirty="0"/>
+              <a:rPr lang="en-CA" strike="sngStrike" dirty="0"/>
               <a:t>(</a:t>
             </a:r>
             <a:r>
-              <a:rPr lang="en-CA" u="sng" dirty="0" err="1"/>
+              <a:rPr lang="en-CA" u="sng" strike="sngStrike" dirty="0" err="1"/>
               <a:t>pub_name</a:t>
             </a:r>
             <a:r>
-              <a:rPr lang="en-CA" dirty="0"/>
+              <a:rPr lang="en-CA" strike="sngStrike" dirty="0"/>
               <a:t>, </a:t>
             </a:r>
             <a:r>
-              <a:rPr lang="en-CA" u="sng" dirty="0" err="1"/>
+              <a:rPr lang="en-CA" u="sng" strike="sngStrike" dirty="0" err="1"/>
               <a:t>isbn</a:t>
             </a:r>
             <a:r>
-              <a:rPr lang="en-CA" i="1" dirty="0"/>
+              <a:rPr lang="en-CA" i="1" strike="sngStrike" dirty="0"/>
               <a:t>, </a:t>
             </a:r>
             <a:r>
-              <a:rPr lang="en-CA" dirty="0"/>
+              <a:rPr lang="en-CA" strike="sngStrike" dirty="0"/>
               <a:t>year)</a:t>
             </a:r>
-            <a:endParaRPr lang="en-CA" b="1" dirty="0"/>
-          </a:p>
-          <a:p>
-            <a:r>
-              <a:rPr lang="en-CA" i="1" dirty="0"/>
+            <a:endParaRPr lang="en-CA" b="1" strike="sngStrike" dirty="0"/>
+          </a:p>
+          <a:p>
+            <a:r>
+              <a:rPr lang="en-CA" i="1" strike="sngStrike" dirty="0"/>
               <a:t>• </a:t>
             </a:r>
             <a:r>
-              <a:rPr lang="en-CA" i="1" dirty="0" err="1"/>
+              <a:rPr lang="en-CA" i="1" strike="sngStrike" dirty="0" err="1"/>
               <a:t>pubAdd</a:t>
             </a:r>
             <a:r>
-              <a:rPr lang="en-CA" dirty="0"/>
+              <a:rPr lang="en-CA" strike="sngStrike" dirty="0"/>
               <a:t>(</a:t>
             </a:r>
             <a:r>
-              <a:rPr lang="en-CA" u="sng" dirty="0" err="1"/>
+              <a:rPr lang="en-CA" u="sng" strike="sngStrike" dirty="0" err="1"/>
               <a:t>pub_name</a:t>
             </a:r>
             <a:r>
-              <a:rPr lang="en-CA" dirty="0"/>
+              <a:rPr lang="en-CA" strike="sngStrike" dirty="0"/>
               <a:t>, </a:t>
             </a:r>
             <a:r>
-              <a:rPr lang="en-CA" u="sng" dirty="0" err="1"/>
+              <a:rPr lang="en-CA" u="sng" strike="sngStrike" dirty="0" err="1"/>
               <a:t>add_id</a:t>
             </a:r>
             <a:r>
-              <a:rPr lang="en-CA" dirty="0"/>
+              <a:rPr lang="en-CA" strike="sngStrike" dirty="0"/>
               <a:t>)</a:t>
             </a:r>
           </a:p>
           <a:p>
             <a:r>
-              <a:rPr lang="en-CA" i="1" dirty="0"/>
+              <a:rPr lang="en-CA" i="1" strike="sngStrike" dirty="0"/>
               <a:t>• </a:t>
             </a:r>
             <a:r>
-              <a:rPr lang="en-CA" i="1" dirty="0" err="1"/>
+              <a:rPr lang="en-CA" i="1" strike="sngStrike" dirty="0" err="1"/>
               <a:t>hasAdd</a:t>
             </a:r>
             <a:r>
-              <a:rPr lang="en-CA" dirty="0"/>
+              <a:rPr lang="en-CA" strike="sngStrike" dirty="0"/>
               <a:t>(</a:t>
             </a:r>
             <a:r>
-              <a:rPr lang="en-CA" u="sng" dirty="0" err="1"/>
+              <a:rPr lang="en-CA" u="sng" strike="sngStrike" dirty="0" err="1"/>
               <a:t>add_id</a:t>
             </a:r>
             <a:r>
-              <a:rPr lang="en-CA" dirty="0"/>
+              <a:rPr lang="en-CA" strike="sngStrike" dirty="0"/>
               <a:t>, </a:t>
             </a:r>
             <a:r>
-              <a:rPr lang="en-CA" u="sng" dirty="0" err="1"/>
+              <a:rPr lang="en-CA" u="sng" strike="sngStrike" dirty="0" err="1"/>
               <a:t>user_name</a:t>
             </a:r>
             <a:r>
-              <a:rPr lang="en-CA" dirty="0"/>
+              <a:rPr lang="en-CA" strike="sngStrike" dirty="0"/>
               <a:t>, </a:t>
             </a:r>
             <a:r>
-              <a:rPr lang="en-CA" dirty="0" err="1"/>
+              <a:rPr lang="en-CA" strike="sngStrike" dirty="0" err="1"/>
               <a:t>isShipping</a:t>
             </a:r>
             <a:r>
-              <a:rPr lang="en-CA" dirty="0"/>
+              <a:rPr lang="en-CA" strike="sngStrike" dirty="0"/>
               <a:t>)</a:t>
             </a:r>
           </a:p>
           <a:p>
             <a:r>
-              <a:rPr lang="en-CA" i="1" dirty="0"/>
+              <a:rPr lang="en-CA" i="1" strike="sngStrike" dirty="0"/>
               <a:t>• genre</a:t>
             </a:r>
             <a:r>
-              <a:rPr lang="en-CA" dirty="0"/>
+              <a:rPr lang="en-CA" strike="sngStrike" dirty="0"/>
               <a:t>(</a:t>
             </a:r>
             <a:r>
-              <a:rPr lang="en-CA" u="sng" dirty="0"/>
+              <a:rPr lang="en-CA" u="sng" strike="sngStrike" dirty="0"/>
               <a:t>name)</a:t>
             </a:r>
           </a:p>
           <a:p>
             <a:r>
-              <a:rPr lang="en-CA" i="1" dirty="0"/>
+              <a:rPr lang="en-CA" i="1" strike="sngStrike" dirty="0"/>
               <a:t>• </a:t>
             </a:r>
             <a:r>
-              <a:rPr lang="en-CA" i="1" dirty="0" err="1"/>
+              <a:rPr lang="en-CA" i="1" strike="sngStrike" dirty="0" err="1"/>
               <a:t>hasGenre</a:t>
             </a:r>
             <a:r>
-              <a:rPr lang="en-CA" i="1" dirty="0"/>
+              <a:rPr lang="en-CA" i="1" strike="sngStrike" dirty="0"/>
               <a:t>(</a:t>
             </a:r>
             <a:r>
-              <a:rPr lang="en-CA" u="sng" dirty="0" err="1"/>
+              <a:rPr lang="en-CA" u="sng" strike="sngStrike" dirty="0" err="1"/>
               <a:t>isbn</a:t>
             </a:r>
             <a:r>
-              <a:rPr lang="en-CA" dirty="0"/>
+              <a:rPr lang="en-CA" strike="sngStrike" dirty="0"/>
               <a:t>, </a:t>
             </a:r>
             <a:r>
-              <a:rPr lang="en-CA" u="sng" dirty="0"/>
+              <a:rPr lang="en-CA" u="sng" strike="sngStrike" dirty="0"/>
               <a:t>name</a:t>
             </a:r>
             <a:r>
-              <a:rPr lang="en-CA" dirty="0"/>
+              <a:rPr lang="en-CA" strike="sngStrike" dirty="0"/>
               <a:t>)</a:t>
             </a:r>
-            <a:endParaRPr lang="en-CA" i="1" dirty="0"/>
+            <a:endParaRPr lang="en-CA" i="1" strike="sngStrike" dirty="0"/>
           </a:p>
         </p:txBody>
       </p:sp>
